--- a/STRATHMORE NOTIFICATION SYSTEM.pptx
+++ b/STRATHMORE NOTIFICATION SYSTEM.pptx
@@ -9,8 +9,8 @@
     <p:sldId id="257" r:id="rId3"/>
     <p:sldId id="258" r:id="rId4"/>
     <p:sldId id="259" r:id="rId5"/>
-    <p:sldId id="260" r:id="rId6"/>
-    <p:sldId id="261" r:id="rId7"/>
+    <p:sldId id="261" r:id="rId6"/>
+    <p:sldId id="260" r:id="rId7"/>
   </p:sldIdLst>
   <p:sldSz cx="12192000" cy="6858000"/>
   <p:notesSz cx="6858000" cy="9144000"/>
@@ -109,6 +109,11 @@
       </a:defRPr>
     </a:lvl9pPr>
   </p:defaultTextStyle>
+  <p:extLst>
+    <p:ext uri="{EFAFB233-063F-42B5-8137-9DF3F51BA10A}">
+      <p15:sldGuideLst xmlns:p15="http://schemas.microsoft.com/office/powerpoint/2012/main"/>
+    </p:ext>
+  </p:extLst>
 </p:presentation>
 </file>
 
@@ -5842,11 +5847,15 @@
             </a:r>
             <a:r>
               <a:rPr lang="en-GB" dirty="0" err="1" smtClean="0"/>
-              <a:t>setk</a:t>
+              <a:t>setH</a:t>
             </a:r>
             <a:r>
               <a:rPr lang="en-GB" dirty="0" smtClean="0"/>
-              <a:t> Karsan 077353</a:t>
+              <a:t> </a:t>
+            </a:r>
+            <a:r>
+              <a:rPr lang="en-GB" dirty="0" smtClean="0"/>
+              <a:t>Karsan 077353</a:t>
             </a:r>
           </a:p>
           <a:p>
@@ -6027,14 +6036,39 @@
           <a:p>
             <a:r>
               <a:rPr lang="en-GB" dirty="0" smtClean="0"/>
-              <a:t>It is heavily dependent on the presence of the module leader.</a:t>
-            </a:r>
-          </a:p>
-          <a:p>
+              <a:t>Information </a:t>
+            </a:r>
             <a:r>
               <a:rPr lang="en-GB" dirty="0" smtClean="0"/>
-              <a:t>Information is frequently not gotten in real time.</a:t>
-            </a:r>
+              <a:t>is frequently not gotten in real time</a:t>
+            </a:r>
+            <a:r>
+              <a:rPr lang="en-GB" dirty="0" smtClean="0"/>
+              <a:t>.</a:t>
+            </a:r>
+          </a:p>
+          <a:p>
+            <a:r>
+              <a:rPr lang="en-GB" dirty="0" smtClean="0"/>
+              <a:t>There is no form of alerts that may reach students beside the module leader</a:t>
+            </a:r>
+          </a:p>
+          <a:p>
+            <a:r>
+              <a:rPr lang="en-GB" dirty="0"/>
+              <a:t>It </a:t>
+            </a:r>
+            <a:r>
+              <a:rPr lang="en-GB" dirty="0" smtClean="0"/>
+              <a:t>is generally </a:t>
+            </a:r>
+            <a:r>
+              <a:rPr lang="en-GB" dirty="0"/>
+              <a:t>heavily dependent on the presence of the module leader.</a:t>
+            </a:r>
+          </a:p>
+          <a:p>
+            <a:endParaRPr lang="en-GB" dirty="0" smtClean="0"/>
           </a:p>
           <a:p>
             <a:endParaRPr lang="en-GB" dirty="0"/>
@@ -6133,7 +6167,25 @@
             <a:pPr lvl="1"/>
             <a:r>
               <a:rPr lang="en-GB" dirty="0" smtClean="0"/>
-              <a:t>Independence of information delivery platform</a:t>
+              <a:t>Independence of information delivery </a:t>
+            </a:r>
+            <a:r>
+              <a:rPr lang="en-GB" dirty="0" smtClean="0"/>
+              <a:t>platform</a:t>
+            </a:r>
+          </a:p>
+          <a:p>
+            <a:pPr lvl="1"/>
+            <a:r>
+              <a:rPr lang="en-GB" dirty="0" smtClean="0"/>
+              <a:t>Generated notifications for the students on registration</a:t>
+            </a:r>
+          </a:p>
+          <a:p>
+            <a:pPr lvl="1"/>
+            <a:r>
+              <a:rPr lang="en-GB" dirty="0" smtClean="0"/>
+              <a:t>Organization of records and messages sent</a:t>
             </a:r>
             <a:endParaRPr lang="en-GB" dirty="0"/>
           </a:p>
@@ -6186,7 +6238,7 @@
           <a:p>
             <a:r>
               <a:rPr lang="en-GB" dirty="0" smtClean="0"/>
-              <a:t>Developers</a:t>
+              <a:t>FEATURES</a:t>
             </a:r>
             <a:endParaRPr lang="en-GB" dirty="0"/>
           </a:p>
@@ -6202,116 +6254,127 @@
             <p:ph idx="1"/>
           </p:nvPr>
         </p:nvSpPr>
-        <p:spPr/>
-        <p:txBody>
-          <a:bodyPr/>
-          <a:lstStyle/>
-          <a:p>
+        <p:spPr>
+          <a:xfrm>
+            <a:off x="685801" y="1712891"/>
+            <a:ext cx="10131425" cy="4078310"/>
+          </a:xfrm>
+        </p:spPr>
+        <p:txBody>
+          <a:bodyPr>
+            <a:normAutofit/>
+          </a:bodyPr>
+          <a:lstStyle/>
+          <a:p>
+            <a:r>
+              <a:rPr lang="en-GB" dirty="0" smtClean="0"/>
+              <a:t>Beautiful User Interface.</a:t>
+            </a:r>
+          </a:p>
+          <a:p>
+            <a:pPr lvl="1"/>
+            <a:r>
+              <a:rPr lang="en-GB" dirty="0" smtClean="0"/>
+              <a:t>The interface is </a:t>
+            </a:r>
             <a:r>
               <a:rPr lang="en-GB" dirty="0" err="1" smtClean="0"/>
-              <a:t>Bakasa</a:t>
+              <a:t>welcoming,informational</a:t>
             </a:r>
             <a:r>
               <a:rPr lang="en-GB" dirty="0" smtClean="0"/>
-              <a:t> Joshua </a:t>
+              <a:t> and has a modern touch to it.</a:t>
+            </a:r>
+          </a:p>
+          <a:p>
+            <a:r>
+              <a:rPr lang="en-GB" dirty="0" smtClean="0"/>
+              <a:t>Student Panel</a:t>
+            </a:r>
+          </a:p>
+          <a:p>
+            <a:pPr lvl="1"/>
+            <a:r>
+              <a:rPr lang="en-GB" dirty="0" smtClean="0"/>
+              <a:t>This panel shows the student </a:t>
             </a:r>
             <a:r>
               <a:rPr lang="en-GB" dirty="0" err="1" smtClean="0"/>
-              <a:t>Nyeole</a:t>
-            </a:r>
-            <a:r>
-              <a:rPr lang="en-GB" dirty="0"/>
-              <a:t>	</a:t>
+              <a:t>notifications,messages</a:t>
             </a:r>
             <a:r>
               <a:rPr lang="en-GB" dirty="0" smtClean="0"/>
-              <a:t>BIF 2</a:t>
-            </a:r>
-            <a:r>
-              <a:rPr lang="en-GB" baseline="30000" dirty="0" smtClean="0"/>
-              <a:t>nd</a:t>
-            </a:r>
+              <a:t> from lecturers and notes that have been uploaded for the student’s respective unit</a:t>
+            </a:r>
+          </a:p>
+          <a:p>
             <a:r>
               <a:rPr lang="en-GB" dirty="0" smtClean="0"/>
-              <a:t> </a:t>
+              <a:t>Lecturer Panel</a:t>
+            </a:r>
+          </a:p>
+          <a:p>
+            <a:pPr lvl="1"/>
+            <a:r>
+              <a:rPr lang="en-GB" dirty="0" smtClean="0"/>
+              <a:t>This panel allows the lecturer to upload </a:t>
             </a:r>
             <a:r>
               <a:rPr lang="en-GB" dirty="0" err="1" smtClean="0"/>
-              <a:t>Yr</a:t>
-            </a:r>
+              <a:t>notes,set</a:t>
+            </a:r>
+            <a:r>
+              <a:rPr lang="en-GB" dirty="0" smtClean="0"/>
+              <a:t> student </a:t>
+            </a:r>
+            <a:r>
+              <a:rPr lang="en-GB" dirty="0" err="1" smtClean="0"/>
+              <a:t>marks,send</a:t>
+            </a:r>
+            <a:r>
+              <a:rPr lang="en-GB" dirty="0" smtClean="0"/>
+              <a:t> messages and view sent messages</a:t>
+            </a:r>
+            <a:endParaRPr lang="en-GB" dirty="0"/>
+          </a:p>
+          <a:p>
+            <a:r>
+              <a:rPr lang="en-GB" dirty="0" smtClean="0"/>
+              <a:t>Admin Panel</a:t>
+            </a:r>
+          </a:p>
+          <a:p>
+            <a:pPr lvl="1"/>
+            <a:r>
+              <a:rPr lang="en-GB" dirty="0" smtClean="0"/>
+              <a:t>This allows the administrator to add </a:t>
+            </a:r>
+            <a:r>
+              <a:rPr lang="en-GB" dirty="0" err="1" smtClean="0"/>
+              <a:t>lecturers,students</a:t>
+            </a:r>
+            <a:r>
+              <a:rPr lang="en-GB" dirty="0" smtClean="0"/>
+              <a:t> and fellow administrators.</a:t>
+            </a:r>
+          </a:p>
+          <a:p>
+            <a:pPr lvl="1"/>
+            <a:r>
+              <a:rPr lang="en-GB" dirty="0" smtClean="0"/>
+              <a:t>It also allows the administrator to activate or deactivate user accounts</a:t>
+            </a:r>
+          </a:p>
+          <a:p>
+            <a:pPr lvl="1"/>
             <a:endParaRPr lang="en-GB" dirty="0" smtClean="0"/>
-          </a:p>
-          <a:p>
-            <a:r>
-              <a:rPr lang="en-GB" dirty="0" smtClean="0"/>
-              <a:t>Richard Seth Karsan		</a:t>
-            </a:r>
-            <a:r>
-              <a:rPr lang="en-GB" dirty="0"/>
-              <a:t>BIF 2</a:t>
-            </a:r>
-            <a:r>
-              <a:rPr lang="en-GB" baseline="30000" dirty="0"/>
-              <a:t>nd</a:t>
-            </a:r>
-            <a:r>
-              <a:rPr lang="en-GB" dirty="0"/>
-              <a:t> </a:t>
-            </a:r>
-            <a:r>
-              <a:rPr lang="en-GB" dirty="0" err="1"/>
-              <a:t>Yr</a:t>
-            </a:r>
-            <a:endParaRPr lang="en-GB" dirty="0"/>
-          </a:p>
-          <a:p>
-            <a:r>
-              <a:rPr lang="en-GB" dirty="0" err="1" smtClean="0"/>
-              <a:t>Otaalo</a:t>
-            </a:r>
-            <a:r>
-              <a:rPr lang="en-GB" dirty="0" smtClean="0"/>
-              <a:t> John </a:t>
-            </a:r>
-            <a:r>
-              <a:rPr lang="en-GB" dirty="0" err="1" smtClean="0"/>
-              <a:t>Chrispine</a:t>
-            </a:r>
-            <a:r>
-              <a:rPr lang="en-GB" dirty="0"/>
-              <a:t>	</a:t>
-            </a:r>
-            <a:r>
-              <a:rPr lang="en-GB" dirty="0" smtClean="0"/>
-              <a:t>BIF </a:t>
-            </a:r>
-            <a:r>
-              <a:rPr lang="en-GB" dirty="0"/>
-              <a:t>2</a:t>
-            </a:r>
-            <a:r>
-              <a:rPr lang="en-GB" baseline="30000" dirty="0"/>
-              <a:t>nd</a:t>
-            </a:r>
-            <a:r>
-              <a:rPr lang="en-GB" dirty="0"/>
-              <a:t> </a:t>
-            </a:r>
-            <a:r>
-              <a:rPr lang="en-GB" dirty="0" err="1"/>
-              <a:t>Yr</a:t>
-            </a:r>
-            <a:endParaRPr lang="en-GB" dirty="0"/>
-          </a:p>
-          <a:p>
-            <a:endParaRPr lang="en-GB" dirty="0"/>
           </a:p>
         </p:txBody>
       </p:sp>
     </p:spTree>
     <p:extLst>
       <p:ext uri="{BB962C8B-B14F-4D97-AF65-F5344CB8AC3E}">
-        <p14:creationId xmlns:p14="http://schemas.microsoft.com/office/powerpoint/2010/main" val="3381917486"/>
+        <p14:creationId xmlns:p14="http://schemas.microsoft.com/office/powerpoint/2010/main" val="252719163"/>
       </p:ext>
     </p:extLst>
   </p:cSld>
@@ -6353,7 +6416,11 @@
           <a:bodyPr/>
           <a:lstStyle/>
           <a:p>
-            <a:endParaRPr lang="en-GB"/>
+            <a:r>
+              <a:rPr lang="en-GB" dirty="0" smtClean="0"/>
+              <a:t>Developers</a:t>
+            </a:r>
+            <a:endParaRPr lang="en-GB" dirty="0"/>
           </a:p>
         </p:txBody>
       </p:sp>
@@ -6372,14 +6439,111 @@
           <a:bodyPr/>
           <a:lstStyle/>
           <a:p>
-            <a:endParaRPr lang="en-GB"/>
+            <a:r>
+              <a:rPr lang="en-GB" dirty="0" err="1" smtClean="0"/>
+              <a:t>Bakasa</a:t>
+            </a:r>
+            <a:r>
+              <a:rPr lang="en-GB" dirty="0" smtClean="0"/>
+              <a:t> Joshua </a:t>
+            </a:r>
+            <a:r>
+              <a:rPr lang="en-GB" dirty="0" err="1" smtClean="0"/>
+              <a:t>Nyeole</a:t>
+            </a:r>
+            <a:r>
+              <a:rPr lang="en-GB" dirty="0"/>
+              <a:t>	</a:t>
+            </a:r>
+            <a:r>
+              <a:rPr lang="en-GB" dirty="0" smtClean="0"/>
+              <a:t>BIF 2</a:t>
+            </a:r>
+            <a:r>
+              <a:rPr lang="en-GB" baseline="30000" dirty="0" smtClean="0"/>
+              <a:t>nd</a:t>
+            </a:r>
+            <a:r>
+              <a:rPr lang="en-GB" dirty="0" smtClean="0"/>
+              <a:t> </a:t>
+            </a:r>
+            <a:r>
+              <a:rPr lang="en-GB" dirty="0" err="1" smtClean="0"/>
+              <a:t>Yr</a:t>
+            </a:r>
+            <a:endParaRPr lang="en-GB" dirty="0" smtClean="0"/>
+          </a:p>
+          <a:p>
+            <a:r>
+              <a:rPr lang="en-GB" dirty="0" smtClean="0"/>
+              <a:t>Richard Seth Karsan		</a:t>
+            </a:r>
+            <a:r>
+              <a:rPr lang="en-GB" dirty="0"/>
+              <a:t>BIF 2</a:t>
+            </a:r>
+            <a:r>
+              <a:rPr lang="en-GB" baseline="30000" dirty="0"/>
+              <a:t>nd</a:t>
+            </a:r>
+            <a:r>
+              <a:rPr lang="en-GB" dirty="0"/>
+              <a:t> </a:t>
+            </a:r>
+            <a:r>
+              <a:rPr lang="en-GB" dirty="0" err="1"/>
+              <a:t>Yr</a:t>
+            </a:r>
+            <a:endParaRPr lang="en-GB" dirty="0"/>
+          </a:p>
+          <a:p>
+            <a:r>
+              <a:rPr lang="en-GB" dirty="0" err="1" smtClean="0"/>
+              <a:t>Otaalo</a:t>
+            </a:r>
+            <a:r>
+              <a:rPr lang="en-GB" dirty="0" smtClean="0"/>
+              <a:t> John </a:t>
+            </a:r>
+            <a:r>
+              <a:rPr lang="en-GB" dirty="0" err="1" smtClean="0"/>
+              <a:t>Chrispine</a:t>
+            </a:r>
+            <a:r>
+              <a:rPr lang="en-GB" dirty="0"/>
+              <a:t>	</a:t>
+            </a:r>
+            <a:r>
+              <a:rPr lang="en-GB" dirty="0" smtClean="0"/>
+              <a:t>BIF </a:t>
+            </a:r>
+            <a:r>
+              <a:rPr lang="en-GB" dirty="0"/>
+              <a:t>2</a:t>
+            </a:r>
+            <a:r>
+              <a:rPr lang="en-GB" baseline="30000" dirty="0"/>
+              <a:t>nd</a:t>
+            </a:r>
+            <a:r>
+              <a:rPr lang="en-GB" dirty="0"/>
+              <a:t> </a:t>
+            </a:r>
+            <a:r>
+              <a:rPr lang="en-GB" dirty="0" err="1"/>
+              <a:t>Yr</a:t>
+            </a:r>
+            <a:endParaRPr lang="en-GB" dirty="0"/>
+          </a:p>
+          <a:p>
+            <a:endParaRPr lang="en-GB" dirty="0"/>
           </a:p>
         </p:txBody>
       </p:sp>
     </p:spTree>
     <p:extLst>
       <p:ext uri="{BB962C8B-B14F-4D97-AF65-F5344CB8AC3E}">
-        <p14:creationId xmlns:p14="http://schemas.microsoft.com/office/powerpoint/2010/main" val="252719163"/>
+        <p14:creationId xmlns:p14="http://schemas.microsoft.com/office/powerpoint/2010/main" val="3381917486"/>
       </p:ext>
     </p:extLst>
   </p:cSld>
